--- a/The [KYR] Project (No Comments).pptx
+++ b/The [KYR] Project (No Comments).pptx
@@ -33882,7 +33882,7 @@
         <p:spPr>
           <a:xfrm>
             <a:off x="5613017" y="2905492"/>
-            <a:ext cx="6096000" cy="1369606"/>
+            <a:ext cx="6096000" cy="1868204"/>
           </a:xfrm>
           <a:prstGeom prst="rect">
             <a:avLst/>
@@ -34210,6 +34210,100 @@
                 </a:effectLst>
               </a:rPr>
               <a:t>- Automatically maintains all servers in a courteous manner to users using OO methods.</a:t>
+            </a:r>
+            <a:br>
+              <a:rPr lang="en-US" sz="1200" dirty="0">
+                <a:ln>
+                  <a:solidFill>
+                    <a:schemeClr val="bg1">
+                      <a:lumMod val="75000"/>
+                      <a:lumOff val="25000"/>
+                      <a:alpha val="10000"/>
+                    </a:schemeClr>
+                  </a:solidFill>
+                </a:ln>
+                <a:solidFill>
+                  <a:schemeClr val="tx2"/>
+                </a:solidFill>
+                <a:effectLst>
+                  <a:outerShdw blurRad="9525" dist="25400" dir="14640000" algn="tl" rotWithShape="0">
+                    <a:schemeClr val="bg1">
+                      <a:alpha val="30000"/>
+                    </a:schemeClr>
+                  </a:outerShdw>
+                </a:effectLst>
+              </a:rPr>
+            </a:br>
+            <a:br>
+              <a:rPr lang="en-US" sz="1200" dirty="0">
+                <a:ln>
+                  <a:solidFill>
+                    <a:schemeClr val="bg1">
+                      <a:lumMod val="75000"/>
+                      <a:lumOff val="25000"/>
+                      <a:alpha val="10000"/>
+                    </a:schemeClr>
+                  </a:solidFill>
+                </a:ln>
+                <a:solidFill>
+                  <a:schemeClr val="tx2"/>
+                </a:solidFill>
+                <a:effectLst>
+                  <a:outerShdw blurRad="9525" dist="25400" dir="14640000" algn="tl" rotWithShape="0">
+                    <a:schemeClr val="bg1">
+                      <a:alpha val="30000"/>
+                    </a:schemeClr>
+                  </a:outerShdw>
+                </a:effectLst>
+              </a:rPr>
+            </a:br>
+            <a:r>
+              <a:rPr lang="en-US" sz="1200" b="1" dirty="0">
+                <a:ln>
+                  <a:solidFill>
+                    <a:schemeClr val="bg1">
+                      <a:lumMod val="75000"/>
+                      <a:lumOff val="25000"/>
+                      <a:alpha val="10000"/>
+                    </a:schemeClr>
+                  </a:solidFill>
+                </a:ln>
+                <a:solidFill>
+                  <a:schemeClr val="tx2"/>
+                </a:solidFill>
+                <a:effectLst>
+                  <a:outerShdw blurRad="9525" dist="25400" dir="14640000" algn="tl" rotWithShape="0">
+                    <a:schemeClr val="bg1">
+                      <a:alpha val="30000"/>
+                    </a:schemeClr>
+                  </a:outerShdw>
+                </a:effectLst>
+              </a:rPr>
+              <a:t>In Summary this allows functionality like full Container rebuilds and Server restarts from simple commands via my </a:t>
+            </a:r>
+            <a:r>
+              <a:rPr lang="en-US" sz="1200" b="1">
+                <a:ln>
+                  <a:solidFill>
+                    <a:schemeClr val="bg1">
+                      <a:lumMod val="75000"/>
+                      <a:lumOff val="25000"/>
+                      <a:alpha val="10000"/>
+                    </a:schemeClr>
+                  </a:solidFill>
+                </a:ln>
+                <a:solidFill>
+                  <a:schemeClr val="tx2"/>
+                </a:solidFill>
+                <a:effectLst>
+                  <a:outerShdw blurRad="9525" dist="25400" dir="14640000" algn="tl" rotWithShape="0">
+                    <a:schemeClr val="bg1">
+                      <a:alpha val="30000"/>
+                    </a:schemeClr>
+                  </a:outerShdw>
+                </a:effectLst>
+              </a:rPr>
+              <a:t>mobile phone!</a:t>
             </a:r>
             <a:endParaRPr lang="en-US" sz="1200" b="1" u="sng" dirty="0">
               <a:ln>
